--- a/w9/w9-s5-av-slide1.pptx
+++ b/w9/w9-s5-av-slide1.pptx
@@ -12164,7 +12164,7 @@
                 <a:latin typeface="Courier New" panose="02070309020205020404" pitchFamily="49" charset="0"/>
                 <a:cs typeface="Courier New" panose="02070309020205020404" pitchFamily="49" charset="0"/>
               </a:rPr>
-              <a:t>UpperAttrMetaclass</a:t>
+              <a:t>LowerAttrMetaclass</a:t>
             </a:r>
             <a:r>
               <a:rPr lang="en-US" dirty="0">
@@ -12232,11 +12232,138 @@
               <a:t>dct</a:t>
             </a:r>
             <a:r>
-              <a:rPr lang="en-US" dirty="0" smtClean="0">
+              <a:rPr lang="en-US" dirty="0">
                 <a:latin typeface="Courier New" panose="02070309020205020404" pitchFamily="49" charset="0"/>
                 <a:cs typeface="Courier New" panose="02070309020205020404" pitchFamily="49" charset="0"/>
               </a:rPr>
               <a:t>):</a:t>
+            </a:r>
+          </a:p>
+          <a:p>
+            <a:r>
+              <a:rPr lang="en-US" dirty="0">
+                <a:latin typeface="Courier New" panose="02070309020205020404" pitchFamily="49" charset="0"/>
+                <a:cs typeface="Courier New" panose="02070309020205020404" pitchFamily="49" charset="0"/>
+              </a:rPr>
+              <a:t>        </a:t>
+            </a:r>
+            <a:r>
+              <a:rPr lang="en-US" dirty="0" err="1">
+                <a:latin typeface="Courier New" panose="02070309020205020404" pitchFamily="49" charset="0"/>
+                <a:cs typeface="Courier New" panose="02070309020205020404" pitchFamily="49" charset="0"/>
+              </a:rPr>
+              <a:t>lowercase_attr</a:t>
+            </a:r>
+            <a:r>
+              <a:rPr lang="en-US" dirty="0">
+                <a:latin typeface="Courier New" panose="02070309020205020404" pitchFamily="49" charset="0"/>
+                <a:cs typeface="Courier New" panose="02070309020205020404" pitchFamily="49" charset="0"/>
+              </a:rPr>
+              <a:t> = {}</a:t>
+            </a:r>
+          </a:p>
+          <a:p>
+            <a:r>
+              <a:rPr lang="en-US" dirty="0">
+                <a:latin typeface="Courier New" panose="02070309020205020404" pitchFamily="49" charset="0"/>
+                <a:cs typeface="Courier New" panose="02070309020205020404" pitchFamily="49" charset="0"/>
+              </a:rPr>
+              <a:t>        for name, </a:t>
+            </a:r>
+            <a:r>
+              <a:rPr lang="en-US" dirty="0" err="1">
+                <a:latin typeface="Courier New" panose="02070309020205020404" pitchFamily="49" charset="0"/>
+                <a:cs typeface="Courier New" panose="02070309020205020404" pitchFamily="49" charset="0"/>
+              </a:rPr>
+              <a:t>val</a:t>
+            </a:r>
+            <a:r>
+              <a:rPr lang="en-US" dirty="0">
+                <a:latin typeface="Courier New" panose="02070309020205020404" pitchFamily="49" charset="0"/>
+                <a:cs typeface="Courier New" panose="02070309020205020404" pitchFamily="49" charset="0"/>
+              </a:rPr>
+              <a:t> in </a:t>
+            </a:r>
+            <a:r>
+              <a:rPr lang="en-US" dirty="0" err="1">
+                <a:latin typeface="Courier New" panose="02070309020205020404" pitchFamily="49" charset="0"/>
+                <a:cs typeface="Courier New" panose="02070309020205020404" pitchFamily="49" charset="0"/>
+              </a:rPr>
+              <a:t>dct.items</a:t>
+            </a:r>
+            <a:r>
+              <a:rPr lang="en-US" dirty="0">
+                <a:latin typeface="Courier New" panose="02070309020205020404" pitchFamily="49" charset="0"/>
+                <a:cs typeface="Courier New" panose="02070309020205020404" pitchFamily="49" charset="0"/>
+              </a:rPr>
+              <a:t>():</a:t>
+            </a:r>
+          </a:p>
+          <a:p>
+            <a:r>
+              <a:rPr lang="en-US" dirty="0">
+                <a:latin typeface="Courier New" panose="02070309020205020404" pitchFamily="49" charset="0"/>
+                <a:cs typeface="Courier New" panose="02070309020205020404" pitchFamily="49" charset="0"/>
+              </a:rPr>
+              <a:t>            if not </a:t>
+            </a:r>
+            <a:r>
+              <a:rPr lang="en-US" dirty="0" err="1">
+                <a:latin typeface="Courier New" panose="02070309020205020404" pitchFamily="49" charset="0"/>
+                <a:cs typeface="Courier New" panose="02070309020205020404" pitchFamily="49" charset="0"/>
+              </a:rPr>
+              <a:t>name.startswith</a:t>
+            </a:r>
+            <a:r>
+              <a:rPr lang="en-US" dirty="0">
+                <a:latin typeface="Courier New" panose="02070309020205020404" pitchFamily="49" charset="0"/>
+                <a:cs typeface="Courier New" panose="02070309020205020404" pitchFamily="49" charset="0"/>
+              </a:rPr>
+              <a:t>('__'):</a:t>
+            </a:r>
+          </a:p>
+          <a:p>
+            <a:r>
+              <a:rPr lang="en-US" dirty="0">
+                <a:latin typeface="Courier New" panose="02070309020205020404" pitchFamily="49" charset="0"/>
+                <a:cs typeface="Courier New" panose="02070309020205020404" pitchFamily="49" charset="0"/>
+              </a:rPr>
+              <a:t>                </a:t>
+            </a:r>
+            <a:r>
+              <a:rPr lang="en-US" dirty="0" err="1">
+                <a:latin typeface="Courier New" panose="02070309020205020404" pitchFamily="49" charset="0"/>
+                <a:cs typeface="Courier New" panose="02070309020205020404" pitchFamily="49" charset="0"/>
+              </a:rPr>
+              <a:t>lowercase_attr</a:t>
+            </a:r>
+            <a:r>
+              <a:rPr lang="en-US" dirty="0">
+                <a:latin typeface="Courier New" panose="02070309020205020404" pitchFamily="49" charset="0"/>
+                <a:cs typeface="Courier New" panose="02070309020205020404" pitchFamily="49" charset="0"/>
+              </a:rPr>
+              <a:t>[</a:t>
+            </a:r>
+            <a:r>
+              <a:rPr lang="en-US" dirty="0" err="1">
+                <a:latin typeface="Courier New" panose="02070309020205020404" pitchFamily="49" charset="0"/>
+                <a:cs typeface="Courier New" panose="02070309020205020404" pitchFamily="49" charset="0"/>
+              </a:rPr>
+              <a:t>name.lower</a:t>
+            </a:r>
+            <a:r>
+              <a:rPr lang="en-US" dirty="0">
+                <a:latin typeface="Courier New" panose="02070309020205020404" pitchFamily="49" charset="0"/>
+                <a:cs typeface="Courier New" panose="02070309020205020404" pitchFamily="49" charset="0"/>
+              </a:rPr>
+              <a:t>()] = </a:t>
+            </a:r>
+            <a:r>
+              <a:rPr lang="en-US" dirty="0" err="1">
+                <a:latin typeface="Courier New" panose="02070309020205020404" pitchFamily="49" charset="0"/>
+                <a:cs typeface="Courier New" panose="02070309020205020404" pitchFamily="49" charset="0"/>
+              </a:rPr>
+              <a:t>val</a:t>
             </a:r>
             <a:endParaRPr lang="en-US" dirty="0">
               <a:latin typeface="Courier New" panose="02070309020205020404" pitchFamily="49" charset="0"/>
@@ -12249,118 +12376,21 @@
                 <a:latin typeface="Courier New" panose="02070309020205020404" pitchFamily="49" charset="0"/>
                 <a:cs typeface="Courier New" panose="02070309020205020404" pitchFamily="49" charset="0"/>
               </a:rPr>
-              <a:t>        </a:t>
+              <a:t>            </a:t>
             </a:r>
             <a:r>
               <a:rPr lang="en-US" dirty="0" err="1">
                 <a:latin typeface="Courier New" panose="02070309020205020404" pitchFamily="49" charset="0"/>
                 <a:cs typeface="Courier New" panose="02070309020205020404" pitchFamily="49" charset="0"/>
               </a:rPr>
-              <a:t>uppercase_attr</a:t>
+              <a:t>lowercase_attr</a:t>
             </a:r>
             <a:r>
               <a:rPr lang="en-US" dirty="0">
                 <a:latin typeface="Courier New" panose="02070309020205020404" pitchFamily="49" charset="0"/>
                 <a:cs typeface="Courier New" panose="02070309020205020404" pitchFamily="49" charset="0"/>
               </a:rPr>
-              <a:t> = {}</a:t>
-            </a:r>
-          </a:p>
-          <a:p>
-            <a:r>
-              <a:rPr lang="en-US" dirty="0">
-                <a:latin typeface="Courier New" panose="02070309020205020404" pitchFamily="49" charset="0"/>
-                <a:cs typeface="Courier New" panose="02070309020205020404" pitchFamily="49" charset="0"/>
-              </a:rPr>
-              <a:t>        for name, </a:t>
-            </a:r>
-            <a:r>
-              <a:rPr lang="en-US" dirty="0" err="1">
-                <a:latin typeface="Courier New" panose="02070309020205020404" pitchFamily="49" charset="0"/>
-                <a:cs typeface="Courier New" panose="02070309020205020404" pitchFamily="49" charset="0"/>
-              </a:rPr>
-              <a:t>val</a:t>
-            </a:r>
-            <a:r>
-              <a:rPr lang="en-US" dirty="0">
-                <a:latin typeface="Courier New" panose="02070309020205020404" pitchFamily="49" charset="0"/>
-                <a:cs typeface="Courier New" panose="02070309020205020404" pitchFamily="49" charset="0"/>
-              </a:rPr>
-              <a:t> in </a:t>
-            </a:r>
-            <a:r>
-              <a:rPr lang="en-US" dirty="0" err="1">
-                <a:latin typeface="Courier New" panose="02070309020205020404" pitchFamily="49" charset="0"/>
-                <a:cs typeface="Courier New" panose="02070309020205020404" pitchFamily="49" charset="0"/>
-              </a:rPr>
-              <a:t>dct.items</a:t>
-            </a:r>
-            <a:r>
-              <a:rPr lang="en-US" dirty="0">
-                <a:latin typeface="Courier New" panose="02070309020205020404" pitchFamily="49" charset="0"/>
-                <a:cs typeface="Courier New" panose="02070309020205020404" pitchFamily="49" charset="0"/>
-              </a:rPr>
-              <a:t>():</a:t>
-            </a:r>
-          </a:p>
-          <a:p>
-            <a:r>
-              <a:rPr lang="en-US" dirty="0">
-                <a:latin typeface="Courier New" panose="02070309020205020404" pitchFamily="49" charset="0"/>
-                <a:cs typeface="Courier New" panose="02070309020205020404" pitchFamily="49" charset="0"/>
-              </a:rPr>
-              <a:t>            if not </a:t>
-            </a:r>
-            <a:r>
-              <a:rPr lang="en-US" dirty="0" err="1">
-                <a:latin typeface="Courier New" panose="02070309020205020404" pitchFamily="49" charset="0"/>
-                <a:cs typeface="Courier New" panose="02070309020205020404" pitchFamily="49" charset="0"/>
-              </a:rPr>
-              <a:t>name.startswith</a:t>
-            </a:r>
-            <a:r>
-              <a:rPr lang="en-US" dirty="0">
-                <a:latin typeface="Courier New" panose="02070309020205020404" pitchFamily="49" charset="0"/>
-                <a:cs typeface="Courier New" panose="02070309020205020404" pitchFamily="49" charset="0"/>
-              </a:rPr>
-              <a:t>('__'):</a:t>
-            </a:r>
-          </a:p>
-          <a:p>
-            <a:r>
-              <a:rPr lang="en-US" dirty="0">
-                <a:latin typeface="Courier New" panose="02070309020205020404" pitchFamily="49" charset="0"/>
-                <a:cs typeface="Courier New" panose="02070309020205020404" pitchFamily="49" charset="0"/>
-              </a:rPr>
-              <a:t>                </a:t>
-            </a:r>
-            <a:r>
-              <a:rPr lang="en-US" dirty="0" err="1">
-                <a:latin typeface="Courier New" panose="02070309020205020404" pitchFamily="49" charset="0"/>
-                <a:cs typeface="Courier New" panose="02070309020205020404" pitchFamily="49" charset="0"/>
-              </a:rPr>
-              <a:t>uppercase_attr</a:t>
-            </a:r>
-            <a:r>
-              <a:rPr lang="en-US" dirty="0">
-                <a:latin typeface="Courier New" panose="02070309020205020404" pitchFamily="49" charset="0"/>
-                <a:cs typeface="Courier New" panose="02070309020205020404" pitchFamily="49" charset="0"/>
-              </a:rPr>
-              <a:t>[</a:t>
-            </a:r>
-            <a:r>
-              <a:rPr lang="en-US" dirty="0" err="1">
-                <a:latin typeface="Courier New" panose="02070309020205020404" pitchFamily="49" charset="0"/>
-                <a:cs typeface="Courier New" panose="02070309020205020404" pitchFamily="49" charset="0"/>
-              </a:rPr>
-              <a:t>name.lower</a:t>
-            </a:r>
-            <a:r>
-              <a:rPr lang="en-US" dirty="0">
-                <a:latin typeface="Courier New" panose="02070309020205020404" pitchFamily="49" charset="0"/>
-                <a:cs typeface="Courier New" panose="02070309020205020404" pitchFamily="49" charset="0"/>
-              </a:rPr>
-              <a:t>()] = </a:t>
+              <a:t>[name] = </a:t>
             </a:r>
             <a:r>
               <a:rPr lang="en-US" dirty="0" err="1">
@@ -12380,29 +12410,89 @@
                 <a:latin typeface="Courier New" panose="02070309020205020404" pitchFamily="49" charset="0"/>
                 <a:cs typeface="Courier New" panose="02070309020205020404" pitchFamily="49" charset="0"/>
               </a:rPr>
-              <a:t>            </a:t>
+              <a:t>        bases = (</a:t>
             </a:r>
             <a:r>
               <a:rPr lang="en-US" dirty="0" err="1">
                 <a:latin typeface="Courier New" panose="02070309020205020404" pitchFamily="49" charset="0"/>
                 <a:cs typeface="Courier New" panose="02070309020205020404" pitchFamily="49" charset="0"/>
               </a:rPr>
-              <a:t>uppercase_attr</a:t>
+              <a:t>BaseOfAll</a:t>
             </a:r>
             <a:r>
               <a:rPr lang="en-US" dirty="0">
                 <a:latin typeface="Courier New" panose="02070309020205020404" pitchFamily="49" charset="0"/>
                 <a:cs typeface="Courier New" panose="02070309020205020404" pitchFamily="49" charset="0"/>
               </a:rPr>
-              <a:t>[name] = </a:t>
+              <a:t>,)</a:t>
+            </a:r>
+          </a:p>
+          <a:p>
+            <a:r>
+              <a:rPr lang="en-US" dirty="0">
+                <a:latin typeface="Courier New" panose="02070309020205020404" pitchFamily="49" charset="0"/>
+                <a:cs typeface="Courier New" panose="02070309020205020404" pitchFamily="49" charset="0"/>
+              </a:rPr>
+              <a:t>        return </a:t>
             </a:r>
             <a:r>
               <a:rPr lang="en-US" dirty="0" err="1">
                 <a:latin typeface="Courier New" panose="02070309020205020404" pitchFamily="49" charset="0"/>
                 <a:cs typeface="Courier New" panose="02070309020205020404" pitchFamily="49" charset="0"/>
               </a:rPr>
-              <a:t>val</a:t>
-            </a:r>
+              <a:t>type.__new</a:t>
+            </a:r>
+            <a:r>
+              <a:rPr lang="en-US" dirty="0">
+                <a:latin typeface="Courier New" panose="02070309020205020404" pitchFamily="49" charset="0"/>
+                <a:cs typeface="Courier New" panose="02070309020205020404" pitchFamily="49" charset="0"/>
+              </a:rPr>
+              <a:t>__(</a:t>
+            </a:r>
+            <a:r>
+              <a:rPr lang="en-US" dirty="0" err="1">
+                <a:latin typeface="Courier New" panose="02070309020205020404" pitchFamily="49" charset="0"/>
+                <a:cs typeface="Courier New" panose="02070309020205020404" pitchFamily="49" charset="0"/>
+              </a:rPr>
+              <a:t>cls</a:t>
+            </a:r>
+            <a:r>
+              <a:rPr lang="en-US" dirty="0">
+                <a:latin typeface="Courier New" panose="02070309020205020404" pitchFamily="49" charset="0"/>
+                <a:cs typeface="Courier New" panose="02070309020205020404" pitchFamily="49" charset="0"/>
+              </a:rPr>
+              <a:t>, </a:t>
+            </a:r>
+            <a:r>
+              <a:rPr lang="en-US" dirty="0" err="1">
+                <a:latin typeface="Courier New" panose="02070309020205020404" pitchFamily="49" charset="0"/>
+                <a:cs typeface="Courier New" panose="02070309020205020404" pitchFamily="49" charset="0"/>
+              </a:rPr>
+              <a:t>clsname</a:t>
+            </a:r>
+            <a:r>
+              <a:rPr lang="en-US" dirty="0">
+                <a:latin typeface="Courier New" panose="02070309020205020404" pitchFamily="49" charset="0"/>
+                <a:cs typeface="Courier New" panose="02070309020205020404" pitchFamily="49" charset="0"/>
+              </a:rPr>
+              <a:t>, bases, </a:t>
+            </a:r>
+            <a:r>
+              <a:rPr lang="en-US" dirty="0" err="1">
+                <a:latin typeface="Courier New" panose="02070309020205020404" pitchFamily="49" charset="0"/>
+                <a:cs typeface="Courier New" panose="02070309020205020404" pitchFamily="49" charset="0"/>
+              </a:rPr>
+              <a:t>lowercase_attr</a:t>
+            </a:r>
+            <a:r>
+              <a:rPr lang="en-US" dirty="0">
+                <a:latin typeface="Courier New" panose="02070309020205020404" pitchFamily="49" charset="0"/>
+                <a:cs typeface="Courier New" panose="02070309020205020404" pitchFamily="49" charset="0"/>
+              </a:rPr>
+              <a:t>)</a:t>
+            </a:r>
+          </a:p>
+          <a:p>
             <a:endParaRPr lang="en-US" dirty="0">
               <a:latin typeface="Courier New" panose="02070309020205020404" pitchFamily="49" charset="0"/>
               <a:cs typeface="Courier New" panose="02070309020205020404" pitchFamily="49" charset="0"/>
@@ -12414,7 +12504,7 @@
                 <a:latin typeface="Courier New" panose="02070309020205020404" pitchFamily="49" charset="0"/>
                 <a:cs typeface="Courier New" panose="02070309020205020404" pitchFamily="49" charset="0"/>
               </a:rPr>
-              <a:t>        bases = (</a:t>
+              <a:t>class </a:t>
             </a:r>
             <a:r>
               <a:rPr lang="en-US" dirty="0" err="1">
@@ -12428,7 +12518,7 @@
                 <a:latin typeface="Courier New" panose="02070309020205020404" pitchFamily="49" charset="0"/>
                 <a:cs typeface="Courier New" panose="02070309020205020404" pitchFamily="49" charset="0"/>
               </a:rPr>
-              <a:t>,)</a:t>
+              <a:t>:</a:t>
             </a:r>
           </a:p>
           <a:p>
@@ -12437,63 +12527,58 @@
                 <a:latin typeface="Courier New" panose="02070309020205020404" pitchFamily="49" charset="0"/>
                 <a:cs typeface="Courier New" panose="02070309020205020404" pitchFamily="49" charset="0"/>
               </a:rPr>
-              <a:t>        return </a:t>
+              <a:t>    </a:t>
             </a:r>
             <a:r>
               <a:rPr lang="en-US" dirty="0" err="1">
                 <a:latin typeface="Courier New" panose="02070309020205020404" pitchFamily="49" charset="0"/>
                 <a:cs typeface="Courier New" panose="02070309020205020404" pitchFamily="49" charset="0"/>
               </a:rPr>
-              <a:t>type.__new</a:t>
+              <a:t>def</a:t>
             </a:r>
             <a:r>
               <a:rPr lang="en-US" dirty="0">
                 <a:latin typeface="Courier New" panose="02070309020205020404" pitchFamily="49" charset="0"/>
                 <a:cs typeface="Courier New" panose="02070309020205020404" pitchFamily="49" charset="0"/>
               </a:rPr>
-              <a:t>__(</a:t>
+              <a:t> </a:t>
             </a:r>
             <a:r>
               <a:rPr lang="en-US" dirty="0" err="1">
                 <a:latin typeface="Courier New" panose="02070309020205020404" pitchFamily="49" charset="0"/>
                 <a:cs typeface="Courier New" panose="02070309020205020404" pitchFamily="49" charset="0"/>
               </a:rPr>
-              <a:t>cls</a:t>
+              <a:t>common_func</a:t>
             </a:r>
             <a:r>
               <a:rPr lang="en-US" dirty="0">
                 <a:latin typeface="Courier New" panose="02070309020205020404" pitchFamily="49" charset="0"/>
                 <a:cs typeface="Courier New" panose="02070309020205020404" pitchFamily="49" charset="0"/>
               </a:rPr>
-              <a:t>, </a:t>
+              <a:t>(self):</a:t>
+            </a:r>
+          </a:p>
+          <a:p>
+            <a:r>
+              <a:rPr lang="en-US" dirty="0">
+                <a:latin typeface="Courier New" panose="02070309020205020404" pitchFamily="49" charset="0"/>
+                <a:cs typeface="Courier New" panose="02070309020205020404" pitchFamily="49" charset="0"/>
+              </a:rPr>
+              <a:t>        return "in </a:t>
             </a:r>
             <a:r>
               <a:rPr lang="en-US" dirty="0" err="1">
                 <a:latin typeface="Courier New" panose="02070309020205020404" pitchFamily="49" charset="0"/>
                 <a:cs typeface="Courier New" panose="02070309020205020404" pitchFamily="49" charset="0"/>
               </a:rPr>
-              <a:t>clsname</a:t>
+              <a:t>common_func</a:t>
             </a:r>
             <a:r>
               <a:rPr lang="en-US" dirty="0">
                 <a:latin typeface="Courier New" panose="02070309020205020404" pitchFamily="49" charset="0"/>
                 <a:cs typeface="Courier New" panose="02070309020205020404" pitchFamily="49" charset="0"/>
               </a:rPr>
-              <a:t>, bases, </a:t>
-            </a:r>
-            <a:r>
-              <a:rPr lang="en-US" dirty="0" err="1">
-                <a:latin typeface="Courier New" panose="02070309020205020404" pitchFamily="49" charset="0"/>
-                <a:cs typeface="Courier New" panose="02070309020205020404" pitchFamily="49" charset="0"/>
-              </a:rPr>
-              <a:t>uppercase_attr</a:t>
-            </a:r>
-            <a:r>
-              <a:rPr lang="en-US" dirty="0">
-                <a:latin typeface="Courier New" panose="02070309020205020404" pitchFamily="49" charset="0"/>
-                <a:cs typeface="Courier New" panose="02070309020205020404" pitchFamily="49" charset="0"/>
-              </a:rPr>
-              <a:t>)</a:t>
+              <a:t>"</a:t>
             </a:r>
           </a:p>
           <a:p>
@@ -12508,29 +12593,43 @@
                 <a:latin typeface="Courier New" panose="02070309020205020404" pitchFamily="49" charset="0"/>
                 <a:cs typeface="Courier New" panose="02070309020205020404" pitchFamily="49" charset="0"/>
               </a:rPr>
-              <a:t>class </a:t>
+              <a:t>class C(</a:t>
             </a:r>
             <a:r>
               <a:rPr lang="en-US" dirty="0" err="1">
                 <a:latin typeface="Courier New" panose="02070309020205020404" pitchFamily="49" charset="0"/>
                 <a:cs typeface="Courier New" panose="02070309020205020404" pitchFamily="49" charset="0"/>
               </a:rPr>
-              <a:t>BaseOfAll</a:t>
+              <a:t>metaclass</a:t>
             </a:r>
             <a:r>
               <a:rPr lang="en-US" dirty="0">
                 <a:latin typeface="Courier New" panose="02070309020205020404" pitchFamily="49" charset="0"/>
                 <a:cs typeface="Courier New" panose="02070309020205020404" pitchFamily="49" charset="0"/>
               </a:rPr>
-              <a:t>:</a:t>
-            </a:r>
-          </a:p>
-          <a:p>
+              <a:t>=</a:t>
+            </a:r>
+            <a:r>
+              <a:rPr lang="en-US" dirty="0" err="1">
+                <a:latin typeface="Courier New" panose="02070309020205020404" pitchFamily="49" charset="0"/>
+                <a:cs typeface="Courier New" panose="02070309020205020404" pitchFamily="49" charset="0"/>
+              </a:rPr>
+              <a:t>LowerAttrMetaclass</a:t>
+            </a:r>
             <a:r>
               <a:rPr lang="en-US" dirty="0">
                 <a:latin typeface="Courier New" panose="02070309020205020404" pitchFamily="49" charset="0"/>
                 <a:cs typeface="Courier New" panose="02070309020205020404" pitchFamily="49" charset="0"/>
               </a:rPr>
+              <a:t>):</a:t>
+            </a:r>
+          </a:p>
+          <a:p>
+            <a:r>
+              <a:rPr lang="en-US" dirty="0">
+                <a:latin typeface="Courier New" panose="02070309020205020404" pitchFamily="49" charset="0"/>
+                <a:cs typeface="Courier New" panose="02070309020205020404" pitchFamily="49" charset="0"/>
+              </a:rPr>
               <a:t>    </a:t>
             </a:r>
             <a:r>
@@ -12552,7 +12651,7 @@
                 <a:latin typeface="Courier New" panose="02070309020205020404" pitchFamily="49" charset="0"/>
                 <a:cs typeface="Courier New" panose="02070309020205020404" pitchFamily="49" charset="0"/>
               </a:rPr>
-              <a:t>common_func</a:t>
+              <a:t>funC_bAd_CAP</a:t>
             </a:r>
             <a:r>
               <a:rPr lang="en-US" dirty="0">
@@ -12575,120 +12674,10 @@
                 <a:latin typeface="Courier New" panose="02070309020205020404" pitchFamily="49" charset="0"/>
                 <a:cs typeface="Courier New" panose="02070309020205020404" pitchFamily="49" charset="0"/>
               </a:rPr>
-              <a:t>common_func</a:t>
+              <a:t>func_bad_cap</a:t>
             </a:r>
             <a:r>
               <a:rPr lang="en-US" dirty="0">
-                <a:latin typeface="Courier New" panose="02070309020205020404" pitchFamily="49" charset="0"/>
-                <a:cs typeface="Courier New" panose="02070309020205020404" pitchFamily="49" charset="0"/>
-              </a:rPr>
-              <a:t>"</a:t>
-            </a:r>
-          </a:p>
-          <a:p>
-            <a:endParaRPr lang="en-US" dirty="0">
-              <a:latin typeface="Courier New" panose="02070309020205020404" pitchFamily="49" charset="0"/>
-              <a:cs typeface="Courier New" panose="02070309020205020404" pitchFamily="49" charset="0"/>
-            </a:endParaRPr>
-          </a:p>
-          <a:p>
-            <a:r>
-              <a:rPr lang="en-US" dirty="0">
-                <a:latin typeface="Courier New" panose="02070309020205020404" pitchFamily="49" charset="0"/>
-                <a:cs typeface="Courier New" panose="02070309020205020404" pitchFamily="49" charset="0"/>
-              </a:rPr>
-              <a:t>class C(</a:t>
-            </a:r>
-            <a:r>
-              <a:rPr lang="en-US" dirty="0" err="1">
-                <a:latin typeface="Courier New" panose="02070309020205020404" pitchFamily="49" charset="0"/>
-                <a:cs typeface="Courier New" panose="02070309020205020404" pitchFamily="49" charset="0"/>
-              </a:rPr>
-              <a:t>metaclass</a:t>
-            </a:r>
-            <a:r>
-              <a:rPr lang="en-US" dirty="0">
-                <a:latin typeface="Courier New" panose="02070309020205020404" pitchFamily="49" charset="0"/>
-                <a:cs typeface="Courier New" panose="02070309020205020404" pitchFamily="49" charset="0"/>
-              </a:rPr>
-              <a:t>=</a:t>
-            </a:r>
-            <a:r>
-              <a:rPr lang="en-US" dirty="0" err="1">
-                <a:latin typeface="Courier New" panose="02070309020205020404" pitchFamily="49" charset="0"/>
-                <a:cs typeface="Courier New" panose="02070309020205020404" pitchFamily="49" charset="0"/>
-              </a:rPr>
-              <a:t>UpperAttrMetaclass</a:t>
-            </a:r>
-            <a:r>
-              <a:rPr lang="en-US" dirty="0">
-                <a:latin typeface="Courier New" panose="02070309020205020404" pitchFamily="49" charset="0"/>
-                <a:cs typeface="Courier New" panose="02070309020205020404" pitchFamily="49" charset="0"/>
-              </a:rPr>
-              <a:t>):</a:t>
-            </a:r>
-          </a:p>
-          <a:p>
-            <a:r>
-              <a:rPr lang="en-US" dirty="0">
-                <a:latin typeface="Courier New" panose="02070309020205020404" pitchFamily="49" charset="0"/>
-                <a:cs typeface="Courier New" panose="02070309020205020404" pitchFamily="49" charset="0"/>
-              </a:rPr>
-              <a:t>    </a:t>
-            </a:r>
-            <a:r>
-              <a:rPr lang="en-US" dirty="0" err="1">
-                <a:latin typeface="Courier New" panose="02070309020205020404" pitchFamily="49" charset="0"/>
-                <a:cs typeface="Courier New" panose="02070309020205020404" pitchFamily="49" charset="0"/>
-              </a:rPr>
-              <a:t>def</a:t>
-            </a:r>
-            <a:r>
-              <a:rPr lang="en-US" dirty="0">
-                <a:latin typeface="Courier New" panose="02070309020205020404" pitchFamily="49" charset="0"/>
-                <a:cs typeface="Courier New" panose="02070309020205020404" pitchFamily="49" charset="0"/>
-              </a:rPr>
-              <a:t> </a:t>
-            </a:r>
-            <a:r>
-              <a:rPr lang="en-US" dirty="0" err="1">
-                <a:latin typeface="Courier New" panose="02070309020205020404" pitchFamily="49" charset="0"/>
-                <a:cs typeface="Courier New" panose="02070309020205020404" pitchFamily="49" charset="0"/>
-              </a:rPr>
-              <a:t>funC_bAd_CAP</a:t>
-            </a:r>
-            <a:r>
-              <a:rPr lang="en-US" dirty="0">
-                <a:latin typeface="Courier New" panose="02070309020205020404" pitchFamily="49" charset="0"/>
-                <a:cs typeface="Courier New" panose="02070309020205020404" pitchFamily="49" charset="0"/>
-              </a:rPr>
-              <a:t>(self):</a:t>
-            </a:r>
-          </a:p>
-          <a:p>
-            <a:r>
-              <a:rPr lang="en-US" dirty="0" smtClean="0">
-                <a:latin typeface="Courier New" panose="02070309020205020404" pitchFamily="49" charset="0"/>
-                <a:cs typeface="Courier New" panose="02070309020205020404" pitchFamily="49" charset="0"/>
-              </a:rPr>
-              <a:t>        return </a:t>
-            </a:r>
-            <a:r>
-              <a:rPr lang="en-US" dirty="0">
-                <a:latin typeface="Courier New" panose="02070309020205020404" pitchFamily="49" charset="0"/>
-                <a:cs typeface="Courier New" panose="02070309020205020404" pitchFamily="49" charset="0"/>
-              </a:rPr>
-              <a:t>"in </a:t>
-            </a:r>
-            <a:r>
-              <a:rPr lang="en-US" dirty="0" err="1" smtClean="0">
-                <a:latin typeface="Courier New" panose="02070309020205020404" pitchFamily="49" charset="0"/>
-                <a:cs typeface="Courier New" panose="02070309020205020404" pitchFamily="49" charset="0"/>
-              </a:rPr>
-              <a:t>func_bad_cap</a:t>
-            </a:r>
-            <a:r>
-              <a:rPr lang="en-US" dirty="0" smtClean="0">
                 <a:latin typeface="Courier New" panose="02070309020205020404" pitchFamily="49" charset="0"/>
                 <a:cs typeface="Courier New" panose="02070309020205020404" pitchFamily="49" charset="0"/>
               </a:rPr>
@@ -14810,7 +14799,7 @@
         <p:spPr>
           <a:xfrm>
             <a:off x="401444" y="780585"/>
-            <a:ext cx="11106614" cy="1938992"/>
+            <a:ext cx="11106614" cy="3416320"/>
           </a:xfrm>
           <a:prstGeom prst="rect">
             <a:avLst/>
@@ -14827,9 +14816,56 @@
               <a:rPr lang="fr-FR" sz="6000" dirty="0" smtClean="0">
                 <a:latin typeface="Calibri" panose="020F0502020204030204" pitchFamily="34" charset="0"/>
               </a:rPr>
-              <a:t>Quelle différence entre classe et instance ?</a:t>
-            </a:r>
-            <a:endParaRPr lang="fr-FR" sz="6000" dirty="0">
+              <a:t>Quelle différence entre classe et instance </a:t>
+            </a:r>
+            <a:r>
+              <a:rPr lang="fr-FR" sz="6000" dirty="0" smtClean="0">
+                <a:latin typeface="Calibri" panose="020F0502020204030204" pitchFamily="34" charset="0"/>
+              </a:rPr>
+              <a:t>?</a:t>
+            </a:r>
+          </a:p>
+          <a:p>
+            <a:pPr marL="857250" indent="-857250">
+              <a:buFont typeface="Arial" panose="020B0604020202020204" pitchFamily="34" charset="0"/>
+              <a:buChar char="•"/>
+            </a:pPr>
+            <a:r>
+              <a:rPr lang="fr-FR" sz="4800" dirty="0" smtClean="0">
+                <a:latin typeface="Calibri" panose="020F0502020204030204" pitchFamily="34" charset="0"/>
+              </a:rPr>
+              <a:t>Une classe a pour type </a:t>
+            </a:r>
+            <a:r>
+              <a:rPr lang="fr-FR" sz="4800" dirty="0" err="1" smtClean="0">
+                <a:solidFill>
+                  <a:srgbClr val="00B050"/>
+                </a:solidFill>
+                <a:latin typeface="Courier New" panose="02070309020205020404" pitchFamily="49" charset="0"/>
+                <a:cs typeface="Courier New" panose="02070309020205020404" pitchFamily="49" charset="0"/>
+              </a:rPr>
+              <a:t>type</a:t>
+            </a:r>
+            <a:endParaRPr lang="fr-FR" sz="4800" dirty="0" smtClean="0">
+              <a:solidFill>
+                <a:srgbClr val="00B050"/>
+              </a:solidFill>
+              <a:latin typeface="Courier New" panose="02070309020205020404" pitchFamily="49" charset="0"/>
+              <a:cs typeface="Courier New" panose="02070309020205020404" pitchFamily="49" charset="0"/>
+            </a:endParaRPr>
+          </a:p>
+          <a:p>
+            <a:pPr marL="857250" indent="-857250">
+              <a:buFont typeface="Arial" panose="020B0604020202020204" pitchFamily="34" charset="0"/>
+              <a:buChar char="•"/>
+            </a:pPr>
+            <a:r>
+              <a:rPr lang="fr-FR" sz="4800" dirty="0" smtClean="0">
+                <a:latin typeface="Calibri" panose="020F0502020204030204" pitchFamily="34" charset="0"/>
+              </a:rPr>
+              <a:t>Une instance a pour type sa classe</a:t>
+            </a:r>
+            <a:endParaRPr lang="fr-FR" sz="4800" dirty="0">
               <a:latin typeface="Calibri" panose="020F0502020204030204" pitchFamily="34" charset="0"/>
             </a:endParaRPr>
           </a:p>
@@ -14848,7 +14884,134 @@
   <p:timing>
     <p:tnLst>
       <p:par>
-        <p:cTn id="1" dur="indefinite" restart="never" nodeType="tmRoot"/>
+        <p:cTn id="1" dur="indefinite" restart="never" nodeType="tmRoot">
+          <p:childTnLst>
+            <p:seq concurrent="1" nextAc="seek">
+              <p:cTn id="2" dur="indefinite" nodeType="mainSeq">
+                <p:childTnLst>
+                  <p:par>
+                    <p:cTn id="3" fill="hold">
+                      <p:stCondLst>
+                        <p:cond delay="indefinite"/>
+                      </p:stCondLst>
+                      <p:childTnLst>
+                        <p:par>
+                          <p:cTn id="4" fill="hold">
+                            <p:stCondLst>
+                              <p:cond delay="0"/>
+                            </p:stCondLst>
+                            <p:childTnLst>
+                              <p:par>
+                                <p:cTn id="5" presetID="10" presetClass="entr" presetSubtype="0" fill="hold" nodeType="clickEffect">
+                                  <p:stCondLst>
+                                    <p:cond delay="0"/>
+                                  </p:stCondLst>
+                                  <p:childTnLst>
+                                    <p:set>
+                                      <p:cBhvr>
+                                        <p:cTn id="6" dur="1" fill="hold">
+                                          <p:stCondLst>
+                                            <p:cond delay="0"/>
+                                          </p:stCondLst>
+                                        </p:cTn>
+                                        <p:tgtEl>
+                                          <p:spTgt spid="5">
+                                            <p:txEl>
+                                              <p:pRg st="1" end="1"/>
+                                            </p:txEl>
+                                          </p:spTgt>
+                                        </p:tgtEl>
+                                        <p:attrNameLst>
+                                          <p:attrName>style.visibility</p:attrName>
+                                        </p:attrNameLst>
+                                      </p:cBhvr>
+                                      <p:to>
+                                        <p:strVal val="visible"/>
+                                      </p:to>
+                                    </p:set>
+                                    <p:animEffect transition="in" filter="fade">
+                                      <p:cBhvr>
+                                        <p:cTn id="7" dur="500"/>
+                                        <p:tgtEl>
+                                          <p:spTgt spid="5">
+                                            <p:txEl>
+                                              <p:pRg st="1" end="1"/>
+                                            </p:txEl>
+                                          </p:spTgt>
+                                        </p:tgtEl>
+                                      </p:cBhvr>
+                                    </p:animEffect>
+                                  </p:childTnLst>
+                                </p:cTn>
+                              </p:par>
+                              <p:par>
+                                <p:cTn id="8" presetID="10" presetClass="entr" presetSubtype="0" fill="hold" nodeType="withEffect">
+                                  <p:stCondLst>
+                                    <p:cond delay="0"/>
+                                  </p:stCondLst>
+                                  <p:childTnLst>
+                                    <p:set>
+                                      <p:cBhvr>
+                                        <p:cTn id="9" dur="1" fill="hold">
+                                          <p:stCondLst>
+                                            <p:cond delay="0"/>
+                                          </p:stCondLst>
+                                        </p:cTn>
+                                        <p:tgtEl>
+                                          <p:spTgt spid="5">
+                                            <p:txEl>
+                                              <p:pRg st="2" end="2"/>
+                                            </p:txEl>
+                                          </p:spTgt>
+                                        </p:tgtEl>
+                                        <p:attrNameLst>
+                                          <p:attrName>style.visibility</p:attrName>
+                                        </p:attrNameLst>
+                                      </p:cBhvr>
+                                      <p:to>
+                                        <p:strVal val="visible"/>
+                                      </p:to>
+                                    </p:set>
+                                    <p:animEffect transition="in" filter="fade">
+                                      <p:cBhvr>
+                                        <p:cTn id="10" dur="500"/>
+                                        <p:tgtEl>
+                                          <p:spTgt spid="5">
+                                            <p:txEl>
+                                              <p:pRg st="2" end="2"/>
+                                            </p:txEl>
+                                          </p:spTgt>
+                                        </p:tgtEl>
+                                      </p:cBhvr>
+                                    </p:animEffect>
+                                  </p:childTnLst>
+                                </p:cTn>
+                              </p:par>
+                            </p:childTnLst>
+                          </p:cTn>
+                        </p:par>
+                      </p:childTnLst>
+                    </p:cTn>
+                  </p:par>
+                </p:childTnLst>
+              </p:cTn>
+              <p:prevCondLst>
+                <p:cond evt="onPrev" delay="0">
+                  <p:tgtEl>
+                    <p:sldTgt/>
+                  </p:tgtEl>
+                </p:cond>
+              </p:prevCondLst>
+              <p:nextCondLst>
+                <p:cond evt="onNext" delay="0">
+                  <p:tgtEl>
+                    <p:sldTgt/>
+                  </p:tgtEl>
+                </p:cond>
+              </p:nextCondLst>
+            </p:seq>
+          </p:childTnLst>
+        </p:cTn>
       </p:par>
     </p:tnLst>
   </p:timing>
